--- a/doku/Parser/vCity - Parser.pptx
+++ b/doku/Parser/vCity - Parser.pptx
@@ -7,6 +7,10 @@
   <p:sldIdLst>
     <p:sldId id="256" r:id="rId2"/>
     <p:sldId id="257" r:id="rId3"/>
+    <p:sldId id="258" r:id="rId4"/>
+    <p:sldId id="259" r:id="rId5"/>
+    <p:sldId id="260" r:id="rId6"/>
+    <p:sldId id="261" r:id="rId7"/>
   </p:sldIdLst>
   <p:sldSz cx="9144000" cy="6858000" type="screen4x3"/>
   <p:notesSz cx="6858000" cy="9144000"/>
@@ -356,7 +360,7 @@
           <a:p>
             <a:fld id="{F31962D9-46F1-464B-A909-15CF836B1DC1}" type="datetimeFigureOut">
               <a:rPr lang="de-DE" smtClean="0"/>
-              <a:t>02.06.2014</a:t>
+              <a:t>12.06.2014</a:t>
             </a:fld>
             <a:endParaRPr lang="de-DE"/>
           </a:p>
@@ -579,7 +583,7 @@
           <a:p>
             <a:fld id="{F31962D9-46F1-464B-A909-15CF836B1DC1}" type="datetimeFigureOut">
               <a:rPr lang="de-DE" smtClean="0"/>
-              <a:t>02.06.2014</a:t>
+              <a:t>12.06.2014</a:t>
             </a:fld>
             <a:endParaRPr lang="de-DE"/>
           </a:p>
@@ -859,7 +863,7 @@
           <a:p>
             <a:fld id="{F31962D9-46F1-464B-A909-15CF836B1DC1}" type="datetimeFigureOut">
               <a:rPr lang="de-DE" smtClean="0"/>
-              <a:t>02.06.2014</a:t>
+              <a:t>12.06.2014</a:t>
             </a:fld>
             <a:endParaRPr lang="de-DE"/>
           </a:p>
@@ -1038,7 +1042,7 @@
           <a:p>
             <a:fld id="{F31962D9-46F1-464B-A909-15CF836B1DC1}" type="datetimeFigureOut">
               <a:rPr lang="de-DE" smtClean="0"/>
-              <a:t>02.06.2014</a:t>
+              <a:t>12.06.2014</a:t>
             </a:fld>
             <a:endParaRPr lang="de-DE"/>
           </a:p>
@@ -1396,7 +1400,7 @@
           <a:p>
             <a:fld id="{F31962D9-46F1-464B-A909-15CF836B1DC1}" type="datetimeFigureOut">
               <a:rPr lang="de-DE" smtClean="0"/>
-              <a:t>02.06.2014</a:t>
+              <a:t>12.06.2014</a:t>
             </a:fld>
             <a:endParaRPr lang="de-DE"/>
           </a:p>
@@ -1683,7 +1687,7 @@
           <a:p>
             <a:fld id="{F31962D9-46F1-464B-A909-15CF836B1DC1}" type="datetimeFigureOut">
               <a:rPr lang="de-DE" smtClean="0"/>
-              <a:t>02.06.2014</a:t>
+              <a:t>12.06.2014</a:t>
             </a:fld>
             <a:endParaRPr lang="de-DE"/>
           </a:p>
@@ -2105,7 +2109,7 @@
           <a:p>
             <a:fld id="{F31962D9-46F1-464B-A909-15CF836B1DC1}" type="datetimeFigureOut">
               <a:rPr lang="de-DE" smtClean="0"/>
-              <a:t>02.06.2014</a:t>
+              <a:t>12.06.2014</a:t>
             </a:fld>
             <a:endParaRPr lang="de-DE"/>
           </a:p>
@@ -2220,7 +2224,7 @@
           <a:p>
             <a:fld id="{F31962D9-46F1-464B-A909-15CF836B1DC1}" type="datetimeFigureOut">
               <a:rPr lang="de-DE" smtClean="0"/>
-              <a:t>02.06.2014</a:t>
+              <a:t>12.06.2014</a:t>
             </a:fld>
             <a:endParaRPr lang="de-DE"/>
           </a:p>
@@ -2310,7 +2314,7 @@
           <a:p>
             <a:fld id="{F31962D9-46F1-464B-A909-15CF836B1DC1}" type="datetimeFigureOut">
               <a:rPr lang="de-DE" smtClean="0"/>
-              <a:t>02.06.2014</a:t>
+              <a:t>12.06.2014</a:t>
             </a:fld>
             <a:endParaRPr lang="de-DE"/>
           </a:p>
@@ -2588,7 +2592,7 @@
           <a:p>
             <a:fld id="{F31962D9-46F1-464B-A909-15CF836B1DC1}" type="datetimeFigureOut">
               <a:rPr lang="de-DE" smtClean="0"/>
-              <a:t>02.06.2014</a:t>
+              <a:t>12.06.2014</a:t>
             </a:fld>
             <a:endParaRPr lang="de-DE"/>
           </a:p>
@@ -2954,7 +2958,7 @@
           <a:p>
             <a:fld id="{F31962D9-46F1-464B-A909-15CF836B1DC1}" type="datetimeFigureOut">
               <a:rPr lang="de-DE" smtClean="0"/>
-              <a:t>02.06.2014</a:t>
+              <a:t>12.06.2014</a:t>
             </a:fld>
             <a:endParaRPr lang="de-DE"/>
           </a:p>
@@ -3391,7 +3395,7 @@
           <a:p>
             <a:fld id="{F31962D9-46F1-464B-A909-15CF836B1DC1}" type="datetimeFigureOut">
               <a:rPr lang="de-DE" smtClean="0"/>
-              <a:t>02.06.2014</a:t>
+              <a:t>12.06.2014</a:t>
             </a:fld>
             <a:endParaRPr lang="de-DE"/>
           </a:p>
@@ -3950,13 +3954,7 @@
           <a:p>
             <a:r>
               <a:rPr lang="de-DE" dirty="0" smtClean="0"/>
-              <a:t>Funktionsbeschreibung Import</a:t>
-            </a:r>
-          </a:p>
-          <a:p>
-            <a:r>
-              <a:rPr lang="de-DE" dirty="0" smtClean="0"/>
-              <a:t>Erläuterung des internen Datenmodells</a:t>
+              <a:t>Inhaltsverzeichnis</a:t>
             </a:r>
           </a:p>
           <a:p>
@@ -3968,24 +3966,12 @@
           <a:p>
             <a:r>
               <a:rPr lang="de-DE" dirty="0" smtClean="0"/>
-              <a:t>Exportvarianten</a:t>
-            </a:r>
-          </a:p>
-          <a:p>
-            <a:r>
-              <a:rPr lang="de-DE" dirty="0" smtClean="0"/>
               <a:t>…</a:t>
             </a:r>
           </a:p>
           <a:p>
             <a:r>
-              <a:rPr lang="de-DE" dirty="0" smtClean="0"/>
-              <a:t>Demonstration ?</a:t>
-            </a:r>
-          </a:p>
-          <a:p>
-            <a:r>
-              <a:rPr lang="de-DE" dirty="0" smtClean="0"/>
+              <a:rPr lang="de-DE" smtClean="0"/>
               <a:t>…</a:t>
             </a:r>
             <a:endParaRPr lang="de-DE" dirty="0"/>
@@ -3996,6 +3982,487 @@
     <p:extLst>
       <p:ext uri="{BB962C8B-B14F-4D97-AF65-F5344CB8AC3E}">
         <p14:creationId xmlns:p14="http://schemas.microsoft.com/office/powerpoint/2010/main" val="1819864268"/>
+      </p:ext>
+    </p:extLst>
+  </p:cSld>
+  <p:clrMapOvr>
+    <a:masterClrMapping/>
+  </p:clrMapOvr>
+</p:sld>
+</file>
+
+<file path=ppt/slides/slide3.xml><?xml version="1.0" encoding="utf-8"?>
+<p:sld xmlns:a="http://schemas.openxmlformats.org/drawingml/2006/main" xmlns:r="http://schemas.openxmlformats.org/officeDocument/2006/relationships" xmlns:p="http://schemas.openxmlformats.org/presentationml/2006/main">
+  <p:cSld>
+    <p:spTree>
+      <p:nvGrpSpPr>
+        <p:cNvPr id="1" name=""/>
+        <p:cNvGrpSpPr/>
+        <p:nvPr/>
+      </p:nvGrpSpPr>
+      <p:grpSpPr>
+        <a:xfrm>
+          <a:off x="0" y="0"/>
+          <a:ext cx="0" cy="0"/>
+          <a:chOff x="0" y="0"/>
+          <a:chExt cx="0" cy="0"/>
+        </a:xfrm>
+      </p:grpSpPr>
+      <p:sp>
+        <p:nvSpPr>
+          <p:cNvPr id="2" name="Titel 1"/>
+          <p:cNvSpPr>
+            <a:spLocks noGrp="1"/>
+          </p:cNvSpPr>
+          <p:nvPr>
+            <p:ph type="title"/>
+          </p:nvPr>
+        </p:nvSpPr>
+        <p:spPr/>
+        <p:txBody>
+          <a:bodyPr/>
+          <a:lstStyle/>
+          <a:p>
+            <a:r>
+              <a:rPr lang="de-DE" dirty="0" smtClean="0"/>
+              <a:t>Beschreibung des Parsers</a:t>
+            </a:r>
+            <a:endParaRPr lang="de-DE" dirty="0"/>
+          </a:p>
+        </p:txBody>
+      </p:sp>
+      <p:sp>
+        <p:nvSpPr>
+          <p:cNvPr id="3" name="Inhaltsplatzhalter 2"/>
+          <p:cNvSpPr>
+            <a:spLocks noGrp="1"/>
+          </p:cNvSpPr>
+          <p:nvPr>
+            <p:ph idx="1"/>
+          </p:nvPr>
+        </p:nvSpPr>
+        <p:spPr/>
+        <p:txBody>
+          <a:bodyPr/>
+          <a:lstStyle/>
+          <a:p>
+            <a:r>
+              <a:rPr lang="de-DE" dirty="0" smtClean="0"/>
+              <a:t>Parser besteht aus</a:t>
+            </a:r>
+          </a:p>
+          <a:p>
+            <a:pPr lvl="1"/>
+            <a:r>
+              <a:rPr lang="de-DE" dirty="0" smtClean="0"/>
+              <a:t>Import der GML-Datei</a:t>
+            </a:r>
+          </a:p>
+          <a:p>
+            <a:pPr lvl="1"/>
+            <a:r>
+              <a:rPr lang="de-DE" dirty="0" smtClean="0"/>
+              <a:t>Koordinatentransformation</a:t>
+            </a:r>
+          </a:p>
+          <a:p>
+            <a:pPr lvl="1"/>
+            <a:r>
+              <a:rPr lang="de-DE" dirty="0" smtClean="0"/>
+              <a:t>Polygon-Triangulation</a:t>
+            </a:r>
+          </a:p>
+          <a:p>
+            <a:pPr lvl="1"/>
+            <a:r>
+              <a:rPr lang="de-DE" dirty="0" smtClean="0"/>
+              <a:t>Export als CSV, GML oder XML</a:t>
+            </a:r>
+            <a:endParaRPr lang="de-DE" dirty="0"/>
+          </a:p>
+        </p:txBody>
+      </p:sp>
+    </p:spTree>
+    <p:extLst>
+      <p:ext uri="{BB962C8B-B14F-4D97-AF65-F5344CB8AC3E}">
+        <p14:creationId xmlns:p14="http://schemas.microsoft.com/office/powerpoint/2010/main" val="436479488"/>
+      </p:ext>
+    </p:extLst>
+  </p:cSld>
+  <p:clrMapOvr>
+    <a:masterClrMapping/>
+  </p:clrMapOvr>
+</p:sld>
+</file>
+
+<file path=ppt/slides/slide4.xml><?xml version="1.0" encoding="utf-8"?>
+<p:sld xmlns:a="http://schemas.openxmlformats.org/drawingml/2006/main" xmlns:r="http://schemas.openxmlformats.org/officeDocument/2006/relationships" xmlns:p="http://schemas.openxmlformats.org/presentationml/2006/main">
+  <p:cSld>
+    <p:spTree>
+      <p:nvGrpSpPr>
+        <p:cNvPr id="1" name=""/>
+        <p:cNvGrpSpPr/>
+        <p:nvPr/>
+      </p:nvGrpSpPr>
+      <p:grpSpPr>
+        <a:xfrm>
+          <a:off x="0" y="0"/>
+          <a:ext cx="0" cy="0"/>
+          <a:chOff x="0" y="0"/>
+          <a:chExt cx="0" cy="0"/>
+        </a:xfrm>
+      </p:grpSpPr>
+      <p:sp>
+        <p:nvSpPr>
+          <p:cNvPr id="2" name="Titel 1"/>
+          <p:cNvSpPr>
+            <a:spLocks noGrp="1"/>
+          </p:cNvSpPr>
+          <p:nvPr>
+            <p:ph type="title"/>
+          </p:nvPr>
+        </p:nvSpPr>
+        <p:spPr/>
+        <p:txBody>
+          <a:bodyPr/>
+          <a:lstStyle/>
+          <a:p>
+            <a:r>
+              <a:rPr lang="de-DE" dirty="0" smtClean="0"/>
+              <a:t>Export: CSV</a:t>
+            </a:r>
+            <a:endParaRPr lang="de-DE" dirty="0"/>
+          </a:p>
+        </p:txBody>
+      </p:sp>
+      <p:sp>
+        <p:nvSpPr>
+          <p:cNvPr id="3" name="Inhaltsplatzhalter 2"/>
+          <p:cNvSpPr>
+            <a:spLocks noGrp="1"/>
+          </p:cNvSpPr>
+          <p:nvPr>
+            <p:ph idx="1"/>
+          </p:nvPr>
+        </p:nvSpPr>
+        <p:spPr/>
+        <p:txBody>
+          <a:bodyPr/>
+          <a:lstStyle/>
+          <a:p>
+            <a:r>
+              <a:rPr lang="de-DE" dirty="0" smtClean="0"/>
+              <a:t>Einfache CSV-Datei</a:t>
+            </a:r>
+          </a:p>
+          <a:p>
+            <a:endParaRPr lang="de-DE" dirty="0" smtClean="0"/>
+          </a:p>
+          <a:p>
+            <a:r>
+              <a:rPr lang="de-DE" dirty="0" smtClean="0"/>
+              <a:t>Enthält Gebäude-ID und errechnetes Volumen</a:t>
+            </a:r>
+          </a:p>
+          <a:p>
+            <a:endParaRPr lang="de-DE" dirty="0"/>
+          </a:p>
+          <a:p>
+            <a:endParaRPr lang="de-DE" dirty="0"/>
+          </a:p>
+        </p:txBody>
+      </p:sp>
+      <p:pic>
+        <p:nvPicPr>
+          <p:cNvPr id="1026" name="Picture 2"/>
+          <p:cNvPicPr>
+            <a:picLocks noChangeAspect="1" noChangeArrowheads="1"/>
+          </p:cNvPicPr>
+          <p:nvPr/>
+        </p:nvPicPr>
+        <p:blipFill>
+          <a:blip r:embed="rId2">
+            <a:extLst>
+              <a:ext uri="{28A0092B-C50C-407E-A947-70E740481C1C}">
+                <a14:useLocalDpi xmlns:a14="http://schemas.microsoft.com/office/drawing/2010/main" val="0"/>
+              </a:ext>
+            </a:extLst>
+          </a:blip>
+          <a:srcRect/>
+          <a:stretch>
+            <a:fillRect/>
+          </a:stretch>
+        </p:blipFill>
+        <p:spPr bwMode="auto">
+          <a:xfrm>
+            <a:off x="1979712" y="4509120"/>
+            <a:ext cx="4762500" cy="828675"/>
+          </a:xfrm>
+          <a:prstGeom prst="rect">
+            <a:avLst/>
+          </a:prstGeom>
+          <a:noFill/>
+          <a:ln>
+            <a:noFill/>
+          </a:ln>
+          <a:extLst>
+            <a:ext uri="{909E8E84-426E-40DD-AFC4-6F175D3DCCD1}">
+              <a14:hiddenFill xmlns:a14="http://schemas.microsoft.com/office/drawing/2010/main">
+                <a:solidFill>
+                  <a:schemeClr val="accent1"/>
+                </a:solidFill>
+              </a14:hiddenFill>
+            </a:ext>
+            <a:ext uri="{91240B29-F687-4F45-9708-019B960494DF}">
+              <a14:hiddenLine xmlns:a14="http://schemas.microsoft.com/office/drawing/2010/main" w="9525">
+                <a:solidFill>
+                  <a:schemeClr val="tx1"/>
+                </a:solidFill>
+                <a:miter lim="800000"/>
+                <a:headEnd/>
+                <a:tailEnd/>
+              </a14:hiddenLine>
+            </a:ext>
+          </a:extLst>
+        </p:spPr>
+      </p:pic>
+    </p:spTree>
+    <p:extLst>
+      <p:ext uri="{BB962C8B-B14F-4D97-AF65-F5344CB8AC3E}">
+        <p14:creationId xmlns:p14="http://schemas.microsoft.com/office/powerpoint/2010/main" val="3191469796"/>
+      </p:ext>
+    </p:extLst>
+  </p:cSld>
+  <p:clrMapOvr>
+    <a:masterClrMapping/>
+  </p:clrMapOvr>
+</p:sld>
+</file>
+
+<file path=ppt/slides/slide5.xml><?xml version="1.0" encoding="utf-8"?>
+<p:sld xmlns:a="http://schemas.openxmlformats.org/drawingml/2006/main" xmlns:r="http://schemas.openxmlformats.org/officeDocument/2006/relationships" xmlns:p="http://schemas.openxmlformats.org/presentationml/2006/main">
+  <p:cSld>
+    <p:spTree>
+      <p:nvGrpSpPr>
+        <p:cNvPr id="1" name=""/>
+        <p:cNvGrpSpPr/>
+        <p:nvPr/>
+      </p:nvGrpSpPr>
+      <p:grpSpPr>
+        <a:xfrm>
+          <a:off x="0" y="0"/>
+          <a:ext cx="0" cy="0"/>
+          <a:chOff x="0" y="0"/>
+          <a:chExt cx="0" cy="0"/>
+        </a:xfrm>
+      </p:grpSpPr>
+      <p:sp>
+        <p:nvSpPr>
+          <p:cNvPr id="2" name="Titel 1"/>
+          <p:cNvSpPr>
+            <a:spLocks noGrp="1"/>
+          </p:cNvSpPr>
+          <p:nvPr>
+            <p:ph type="title"/>
+          </p:nvPr>
+        </p:nvSpPr>
+        <p:spPr/>
+        <p:txBody>
+          <a:bodyPr/>
+          <a:lstStyle/>
+          <a:p>
+            <a:r>
+              <a:rPr lang="de-DE" dirty="0" smtClean="0"/>
+              <a:t>Export: GML</a:t>
+            </a:r>
+            <a:endParaRPr lang="de-DE" dirty="0"/>
+          </a:p>
+        </p:txBody>
+      </p:sp>
+      <p:sp>
+        <p:nvSpPr>
+          <p:cNvPr id="3" name="Inhaltsplatzhalter 2"/>
+          <p:cNvSpPr>
+            <a:spLocks noGrp="1"/>
+          </p:cNvSpPr>
+          <p:nvPr>
+            <p:ph idx="1"/>
+          </p:nvPr>
+        </p:nvSpPr>
+        <p:spPr/>
+        <p:txBody>
+          <a:bodyPr/>
+          <a:lstStyle/>
+          <a:p>
+            <a:r>
+              <a:rPr lang="de-DE" dirty="0" smtClean="0"/>
+              <a:t>Export aller Original-Daten plus errechnetes Volumen als Double-Attribut</a:t>
+            </a:r>
+          </a:p>
+          <a:p>
+            <a:endParaRPr lang="de-DE" dirty="0" smtClean="0"/>
+          </a:p>
+          <a:p>
+            <a:r>
+              <a:rPr lang="de-DE" dirty="0" err="1" smtClean="0"/>
+              <a:t>CityGML</a:t>
+            </a:r>
+            <a:r>
+              <a:rPr lang="de-DE" dirty="0" smtClean="0"/>
+              <a:t>-Framework</a:t>
+            </a:r>
+            <a:endParaRPr lang="de-DE" dirty="0"/>
+          </a:p>
+        </p:txBody>
+      </p:sp>
+      <p:pic>
+        <p:nvPicPr>
+          <p:cNvPr id="2050" name="Picture 2"/>
+          <p:cNvPicPr>
+            <a:picLocks noChangeAspect="1" noChangeArrowheads="1"/>
+          </p:cNvPicPr>
+          <p:nvPr/>
+        </p:nvPicPr>
+        <p:blipFill>
+          <a:blip r:embed="rId2">
+            <a:extLst>
+              <a:ext uri="{28A0092B-C50C-407E-A947-70E740481C1C}">
+                <a14:useLocalDpi xmlns:a14="http://schemas.microsoft.com/office/drawing/2010/main" val="0"/>
+              </a:ext>
+            </a:extLst>
+          </a:blip>
+          <a:srcRect/>
+          <a:stretch>
+            <a:fillRect/>
+          </a:stretch>
+        </p:blipFill>
+        <p:spPr bwMode="auto">
+          <a:xfrm>
+            <a:off x="1809727" y="4581128"/>
+            <a:ext cx="5295900" cy="752475"/>
+          </a:xfrm>
+          <a:prstGeom prst="rect">
+            <a:avLst/>
+          </a:prstGeom>
+          <a:noFill/>
+          <a:ln>
+            <a:noFill/>
+          </a:ln>
+          <a:extLst>
+            <a:ext uri="{909E8E84-426E-40DD-AFC4-6F175D3DCCD1}">
+              <a14:hiddenFill xmlns:a14="http://schemas.microsoft.com/office/drawing/2010/main">
+                <a:solidFill>
+                  <a:schemeClr val="accent1"/>
+                </a:solidFill>
+              </a14:hiddenFill>
+            </a:ext>
+            <a:ext uri="{91240B29-F687-4F45-9708-019B960494DF}">
+              <a14:hiddenLine xmlns:a14="http://schemas.microsoft.com/office/drawing/2010/main" w="9525">
+                <a:solidFill>
+                  <a:schemeClr val="tx1"/>
+                </a:solidFill>
+                <a:miter lim="800000"/>
+                <a:headEnd/>
+                <a:tailEnd/>
+              </a14:hiddenLine>
+            </a:ext>
+          </a:extLst>
+        </p:spPr>
+      </p:pic>
+    </p:spTree>
+    <p:extLst>
+      <p:ext uri="{BB962C8B-B14F-4D97-AF65-F5344CB8AC3E}">
+        <p14:creationId xmlns:p14="http://schemas.microsoft.com/office/powerpoint/2010/main" val="1485333850"/>
+      </p:ext>
+    </p:extLst>
+  </p:cSld>
+  <p:clrMapOvr>
+    <a:masterClrMapping/>
+  </p:clrMapOvr>
+</p:sld>
+</file>
+
+<file path=ppt/slides/slide6.xml><?xml version="1.0" encoding="utf-8"?>
+<p:sld xmlns:a="http://schemas.openxmlformats.org/drawingml/2006/main" xmlns:r="http://schemas.openxmlformats.org/officeDocument/2006/relationships" xmlns:p="http://schemas.openxmlformats.org/presentationml/2006/main">
+  <p:cSld>
+    <p:spTree>
+      <p:nvGrpSpPr>
+        <p:cNvPr id="1" name=""/>
+        <p:cNvGrpSpPr/>
+        <p:nvPr/>
+      </p:nvGrpSpPr>
+      <p:grpSpPr>
+        <a:xfrm>
+          <a:off x="0" y="0"/>
+          <a:ext cx="0" cy="0"/>
+          <a:chOff x="0" y="0"/>
+          <a:chExt cx="0" cy="0"/>
+        </a:xfrm>
+      </p:grpSpPr>
+      <p:sp>
+        <p:nvSpPr>
+          <p:cNvPr id="2" name="Titel 1"/>
+          <p:cNvSpPr>
+            <a:spLocks noGrp="1"/>
+          </p:cNvSpPr>
+          <p:nvPr>
+            <p:ph type="title"/>
+          </p:nvPr>
+        </p:nvSpPr>
+        <p:spPr/>
+        <p:txBody>
+          <a:bodyPr/>
+          <a:lstStyle/>
+          <a:p>
+            <a:r>
+              <a:rPr lang="de-DE" dirty="0" smtClean="0"/>
+              <a:t>Export: XML</a:t>
+            </a:r>
+            <a:endParaRPr lang="de-DE" dirty="0"/>
+          </a:p>
+        </p:txBody>
+      </p:sp>
+      <p:sp>
+        <p:nvSpPr>
+          <p:cNvPr id="3" name="Inhaltsplatzhalter 2"/>
+          <p:cNvSpPr>
+            <a:spLocks noGrp="1"/>
+          </p:cNvSpPr>
+          <p:nvPr>
+            <p:ph idx="1"/>
+          </p:nvPr>
+        </p:nvSpPr>
+        <p:spPr/>
+        <p:txBody>
+          <a:bodyPr/>
+          <a:lstStyle/>
+          <a:p>
+            <a:r>
+              <a:rPr lang="de-DE" dirty="0" smtClean="0"/>
+              <a:t>Export der errechneten Volumen-, Flächen- und Schattenwerte als XML-Datei zur Verwendung mit </a:t>
+            </a:r>
+            <a:r>
+              <a:rPr lang="de-DE" b="1" dirty="0" smtClean="0"/>
+              <a:t>INSEL</a:t>
+            </a:r>
+          </a:p>
+          <a:p>
+            <a:r>
+              <a:rPr lang="de-DE" dirty="0" err="1" smtClean="0"/>
+              <a:t>StAX</a:t>
+            </a:r>
+            <a:r>
+              <a:rPr lang="de-DE" dirty="0" smtClean="0"/>
+              <a:t>-Framework</a:t>
+            </a:r>
+            <a:endParaRPr lang="de-DE" dirty="0"/>
+          </a:p>
+        </p:txBody>
+      </p:sp>
+    </p:spTree>
+    <p:extLst>
+      <p:ext uri="{BB962C8B-B14F-4D97-AF65-F5344CB8AC3E}">
+        <p14:creationId xmlns:p14="http://schemas.microsoft.com/office/powerpoint/2010/main" val="460088162"/>
       </p:ext>
     </p:extLst>
   </p:cSld>
